--- a/Git_study_for_semu.pptx
+++ b/Git_study_for_semu.pptx
@@ -5,7 +5,7 @@
     <p:sldMasterId id="2147483648" r:id="rId1"/>
   </p:sldMasterIdLst>
   <p:notesMasterIdLst>
-    <p:notesMasterId r:id="rId20"/>
+    <p:notesMasterId r:id="rId21"/>
   </p:notesMasterIdLst>
   <p:sldIdLst>
     <p:sldId id="257" r:id="rId2"/>
@@ -25,7 +25,8 @@
     <p:sldId id="307" r:id="rId16"/>
     <p:sldId id="308" r:id="rId17"/>
     <p:sldId id="303" r:id="rId18"/>
-    <p:sldId id="309" r:id="rId19"/>
+    <p:sldId id="310" r:id="rId19"/>
+    <p:sldId id="309" r:id="rId20"/>
   </p:sldIdLst>
   <p:sldSz cx="9144000" cy="5715000" type="screen16x10"/>
   <p:notesSz cx="6858000" cy="9144000"/>
@@ -126,7 +127,7 @@
   </p:defaultTextStyle>
   <p:extLst>
     <p:ext uri="{EFAFB233-063F-42B5-8137-9DF3F51BA10A}">
-      <p15:sldGuideLst xmlns:p15="http://schemas.microsoft.com/office/powerpoint/2012/main">
+      <p15:sldGuideLst xmlns:p15="http://schemas.microsoft.com/office/powerpoint/2012/main" xmlns="">
         <p15:guide id="1" orient="horz" pos="1800">
           <p15:clr>
             <a:srgbClr val="A4A3A4"/>
@@ -226,7 +227,7 @@
             <a:fld id="{82C9DB71-C3AA-4CD3-B957-4DA5EC7493E8}" type="datetimeFigureOut">
               <a:rPr lang="zh-CN" altLang="en-US" smtClean="0"/>
               <a:pPr/>
-              <a:t>2019/4/24</a:t>
+              <a:t>2019/5/29</a:t>
             </a:fld>
             <a:endParaRPr lang="zh-CN" altLang="en-US"/>
           </a:p>
@@ -919,7 +920,7 @@
             <a:fld id="{2E40CBC0-C1EE-4817-BE58-991F5C5D89DC}" type="datetime1">
               <a:rPr lang="zh-CN" altLang="en-US" smtClean="0"/>
               <a:pPr/>
-              <a:t>2019/4/24</a:t>
+              <a:t>2019/5/29</a:t>
             </a:fld>
             <a:endParaRPr lang="zh-CN" altLang="en-US"/>
           </a:p>
@@ -1086,7 +1087,7 @@
             <a:fld id="{3EE74E1E-C756-4ACA-8460-792F02368076}" type="datetime1">
               <a:rPr lang="zh-CN" altLang="en-US" smtClean="0"/>
               <a:pPr/>
-              <a:t>2019/4/24</a:t>
+              <a:t>2019/5/29</a:t>
             </a:fld>
             <a:endParaRPr lang="zh-CN" altLang="en-US"/>
           </a:p>
@@ -1263,7 +1264,7 @@
             <a:fld id="{A68DC32C-583D-4D24-8789-554876F20C37}" type="datetime1">
               <a:rPr lang="zh-CN" altLang="en-US" smtClean="0"/>
               <a:pPr/>
-              <a:t>2019/4/24</a:t>
+              <a:t>2019/5/29</a:t>
             </a:fld>
             <a:endParaRPr lang="zh-CN" altLang="en-US"/>
           </a:p>
@@ -1430,7 +1431,7 @@
             <a:fld id="{91F2C221-0E4F-4D9E-87B4-7B68FDD6BE74}" type="datetime1">
               <a:rPr lang="zh-CN" altLang="en-US" smtClean="0"/>
               <a:pPr/>
-              <a:t>2019/4/24</a:t>
+              <a:t>2019/5/29</a:t>
             </a:fld>
             <a:endParaRPr lang="zh-CN" altLang="en-US"/>
           </a:p>
@@ -1673,7 +1674,7 @@
             <a:fld id="{33BA9AD9-3F6C-4A33-A8D2-38C9A69CDE56}" type="datetime1">
               <a:rPr lang="zh-CN" altLang="en-US" smtClean="0"/>
               <a:pPr/>
-              <a:t>2019/4/24</a:t>
+              <a:t>2019/5/29</a:t>
             </a:fld>
             <a:endParaRPr lang="zh-CN" altLang="en-US"/>
           </a:p>
@@ -1958,7 +1959,7 @@
             <a:fld id="{38928D9A-4715-4170-8490-DA9B93C92310}" type="datetime1">
               <a:rPr lang="zh-CN" altLang="en-US" smtClean="0"/>
               <a:pPr/>
-              <a:t>2019/4/24</a:t>
+              <a:t>2019/5/29</a:t>
             </a:fld>
             <a:endParaRPr lang="zh-CN" altLang="en-US"/>
           </a:p>
@@ -2377,7 +2378,7 @@
             <a:fld id="{B0B0A3AD-F471-4CED-BFFD-8C58A2A3B142}" type="datetime1">
               <a:rPr lang="zh-CN" altLang="en-US" smtClean="0"/>
               <a:pPr/>
-              <a:t>2019/4/24</a:t>
+              <a:t>2019/5/29</a:t>
             </a:fld>
             <a:endParaRPr lang="zh-CN" altLang="en-US"/>
           </a:p>
@@ -2492,7 +2493,7 @@
             <a:fld id="{23044895-9AE5-4954-8C2E-B3C2E6B29E8A}" type="datetime1">
               <a:rPr lang="zh-CN" altLang="en-US" smtClean="0"/>
               <a:pPr/>
-              <a:t>2019/4/24</a:t>
+              <a:t>2019/5/29</a:t>
             </a:fld>
             <a:endParaRPr lang="zh-CN" altLang="en-US"/>
           </a:p>
@@ -2584,7 +2585,7 @@
             <a:fld id="{8B56E10C-C2EC-467F-A586-9638B2CE7E27}" type="datetime1">
               <a:rPr lang="zh-CN" altLang="en-US" smtClean="0"/>
               <a:pPr/>
-              <a:t>2019/4/24</a:t>
+              <a:t>2019/5/29</a:t>
             </a:fld>
             <a:endParaRPr lang="zh-CN" altLang="en-US"/>
           </a:p>
@@ -2858,7 +2859,7 @@
             <a:fld id="{6452A18D-B5BB-437A-88EB-6675EBB66839}" type="datetime1">
               <a:rPr lang="zh-CN" altLang="en-US" smtClean="0"/>
               <a:pPr/>
-              <a:t>2019/4/24</a:t>
+              <a:t>2019/5/29</a:t>
             </a:fld>
             <a:endParaRPr lang="zh-CN" altLang="en-US"/>
           </a:p>
@@ -3108,7 +3109,7 @@
             <a:fld id="{9DD4E02E-46B5-40BD-9D05-F66C369B1904}" type="datetime1">
               <a:rPr lang="zh-CN" altLang="en-US" smtClean="0"/>
               <a:pPr/>
-              <a:t>2019/4/24</a:t>
+              <a:t>2019/5/29</a:t>
             </a:fld>
             <a:endParaRPr lang="zh-CN" altLang="en-US"/>
           </a:p>
@@ -3327,7 +3328,7 @@
             <a:fld id="{72955186-40BA-4EBF-AF20-9226F2BBB938}" type="datetime1">
               <a:rPr lang="zh-CN" altLang="en-US" smtClean="0"/>
               <a:pPr/>
-              <a:t>2019/4/24</a:t>
+              <a:t>2019/5/29</a:t>
             </a:fld>
             <a:endParaRPr lang="zh-CN" altLang="en-US"/>
           </a:p>
@@ -5960,11 +5961,11 @@
   <p:clrMapOvr>
     <a:masterClrMapping/>
   </p:clrMapOvr>
-  <mc:AlternateContent xmlns:mc="http://schemas.openxmlformats.org/markup-compatibility/2006">
-    <mc:Choice xmlns:p14="http://schemas.microsoft.com/office/powerpoint/2010/main" Requires="p14">
+  <mc:AlternateContent xmlns:mc="http://schemas.openxmlformats.org/markup-compatibility/2006" xmlns:p14="http://schemas.microsoft.com/office/powerpoint/2010/main">
+    <mc:Choice Requires="p14">
       <p:transition spd="slow" p14:dur="2000" advTm="4814"/>
     </mc:Choice>
-    <mc:Fallback>
+    <mc:Fallback xmlns="">
       <p:transition spd="slow" advTm="4814"/>
     </mc:Fallback>
   </mc:AlternateContent>
@@ -6110,7 +6111,6 @@
               <a:rPr lang="zh-CN" altLang="en-US" dirty="0"/>
               <a:t>配置</a:t>
             </a:r>
-            <a:endParaRPr lang="zh-CN" altLang="en-US" dirty="0"/>
           </a:p>
         </p:txBody>
       </p:sp>
@@ -6441,6 +6441,198 @@
     </p:spTree>
     <p:extLst>
       <p:ext uri="{BB962C8B-B14F-4D97-AF65-F5344CB8AC3E}">
+        <p14:creationId xmlns:p14="http://schemas.microsoft.com/office/powerpoint/2010/main" val="2066947380"/>
+      </p:ext>
+    </p:extLst>
+  </p:cSld>
+  <p:clrMapOvr>
+    <a:masterClrMapping/>
+  </p:clrMapOvr>
+  <mc:AlternateContent xmlns:mc="http://schemas.openxmlformats.org/markup-compatibility/2006" xmlns:p14="http://schemas.microsoft.com/office/powerpoint/2010/main">
+    <mc:Choice Requires="p14">
+      <p:transition spd="slow" p14:dur="2000" advTm="4814"/>
+    </mc:Choice>
+    <mc:Fallback xmlns="">
+      <p:transition spd="slow" advTm="4814"/>
+    </mc:Fallback>
+  </mc:AlternateContent>
+  <p:timing>
+    <p:tnLst>
+      <p:par>
+        <p:cTn id="1" dur="indefinite" restart="never" nodeType="tmRoot"/>
+      </p:par>
+    </p:tnLst>
+  </p:timing>
+</p:sld>
+</file>
+
+<file path=ppt/slides/slide19.xml><?xml version="1.0" encoding="utf-8"?>
+<p:sld xmlns:a="http://schemas.openxmlformats.org/drawingml/2006/main" xmlns:r="http://schemas.openxmlformats.org/officeDocument/2006/relationships" xmlns:p="http://schemas.openxmlformats.org/presentationml/2006/main">
+  <p:cSld>
+    <p:spTree>
+      <p:nvGrpSpPr>
+        <p:cNvPr id="1" name=""/>
+        <p:cNvGrpSpPr/>
+        <p:nvPr/>
+      </p:nvGrpSpPr>
+      <p:grpSpPr>
+        <a:xfrm>
+          <a:off x="0" y="0"/>
+          <a:ext cx="0" cy="0"/>
+          <a:chOff x="0" y="0"/>
+          <a:chExt cx="0" cy="0"/>
+        </a:xfrm>
+      </p:grpSpPr>
+      <p:sp>
+        <p:nvSpPr>
+          <p:cNvPr id="7" name="矩形 6"/>
+          <p:cNvSpPr/>
+          <p:nvPr/>
+        </p:nvSpPr>
+        <p:spPr>
+          <a:xfrm>
+            <a:off x="285720" y="428608"/>
+            <a:ext cx="8358246" cy="369332"/>
+          </a:xfrm>
+          <a:prstGeom prst="rect">
+            <a:avLst/>
+          </a:prstGeom>
+          <a:solidFill>
+            <a:schemeClr val="bg2">
+              <a:lumMod val="50000"/>
+            </a:schemeClr>
+          </a:solidFill>
+        </p:spPr>
+        <p:txBody>
+          <a:bodyPr wrap="square">
+            <a:spAutoFit/>
+          </a:bodyPr>
+          <a:lstStyle/>
+          <a:p>
+            <a:r>
+              <a:rPr lang="en-US" altLang="zh-CN" dirty="0" err="1" smtClean="0">
+                <a:solidFill>
+                  <a:schemeClr val="bg1">
+                    <a:lumMod val="95000"/>
+                  </a:schemeClr>
+                </a:solidFill>
+              </a:rPr>
+              <a:t>Bitbucket</a:t>
+            </a:r>
+            <a:r>
+              <a:rPr lang="zh-CN" altLang="en-US" dirty="0" smtClean="0">
+                <a:solidFill>
+                  <a:schemeClr val="bg1">
+                    <a:lumMod val="95000"/>
+                  </a:schemeClr>
+                </a:solidFill>
+              </a:rPr>
+              <a:t>托管</a:t>
+            </a:r>
+            <a:endParaRPr lang="zh-CN" altLang="en-US" dirty="0">
+              <a:solidFill>
+                <a:schemeClr val="bg1">
+                  <a:lumMod val="95000"/>
+                </a:schemeClr>
+              </a:solidFill>
+            </a:endParaRPr>
+          </a:p>
+        </p:txBody>
+      </p:sp>
+      <p:sp>
+        <p:nvSpPr>
+          <p:cNvPr id="8" name="矩形 7"/>
+          <p:cNvSpPr/>
+          <p:nvPr/>
+        </p:nvSpPr>
+        <p:spPr>
+          <a:xfrm>
+            <a:off x="244614" y="831984"/>
+            <a:ext cx="8399352" cy="369332"/>
+          </a:xfrm>
+          <a:prstGeom prst="rect">
+            <a:avLst/>
+          </a:prstGeom>
+        </p:spPr>
+        <p:txBody>
+          <a:bodyPr wrap="square">
+            <a:spAutoFit/>
+          </a:bodyPr>
+          <a:lstStyle/>
+          <a:p>
+            <a:r>
+              <a:rPr lang="zh-CN" altLang="en-US" dirty="0" smtClean="0"/>
+              <a:t>配置（密码 </a:t>
+            </a:r>
+            <a:r>
+              <a:rPr lang="en-US" altLang="zh-CN" dirty="0" smtClean="0"/>
+              <a:t>1989zeng0310</a:t>
+            </a:r>
+            <a:r>
+              <a:rPr lang="zh-CN" altLang="en-US" dirty="0" smtClean="0"/>
+              <a:t>）</a:t>
+            </a:r>
+            <a:endParaRPr lang="zh-CN" altLang="en-US" dirty="0"/>
+          </a:p>
+        </p:txBody>
+      </p:sp>
+      <p:pic>
+        <p:nvPicPr>
+          <p:cNvPr id="1026" name="Picture 2"/>
+          <p:cNvPicPr>
+            <a:picLocks noChangeAspect="1" noChangeArrowheads="1"/>
+          </p:cNvPicPr>
+          <p:nvPr/>
+        </p:nvPicPr>
+        <p:blipFill>
+          <a:blip r:embed="rId2">
+            <a:extLst>
+              <a:ext uri="{28A0092B-C50C-407E-A947-70E740481C1C}">
+                <a14:useLocalDpi xmlns:a14="http://schemas.microsoft.com/office/drawing/2010/main" val="0"/>
+              </a:ext>
+            </a:extLst>
+          </a:blip>
+          <a:srcRect/>
+          <a:stretch>
+            <a:fillRect/>
+          </a:stretch>
+        </p:blipFill>
+        <p:spPr bwMode="auto">
+          <a:xfrm>
+            <a:off x="539552" y="1221904"/>
+            <a:ext cx="6264696" cy="4173682"/>
+          </a:xfrm>
+          <a:prstGeom prst="rect">
+            <a:avLst/>
+          </a:prstGeom>
+          <a:noFill/>
+          <a:ln>
+            <a:noFill/>
+          </a:ln>
+          <a:extLst>
+            <a:ext uri="{909E8E84-426E-40DD-AFC4-6F175D3DCCD1}">
+              <a14:hiddenFill xmlns:a14="http://schemas.microsoft.com/office/drawing/2010/main">
+                <a:solidFill>
+                  <a:schemeClr val="accent1"/>
+                </a:solidFill>
+              </a14:hiddenFill>
+            </a:ext>
+            <a:ext uri="{91240B29-F687-4F45-9708-019B960494DF}">
+              <a14:hiddenLine xmlns:a14="http://schemas.microsoft.com/office/drawing/2010/main" w="9525">
+                <a:solidFill>
+                  <a:schemeClr val="tx1"/>
+                </a:solidFill>
+                <a:miter lim="800000"/>
+                <a:headEnd/>
+                <a:tailEnd/>
+              </a14:hiddenLine>
+            </a:ext>
+          </a:extLst>
+        </p:spPr>
+      </p:pic>
+    </p:spTree>
+    <p:extLst>
+      <p:ext uri="{BB962C8B-B14F-4D97-AF65-F5344CB8AC3E}">
         <p14:creationId xmlns:p14="http://schemas.microsoft.com/office/powerpoint/2010/main" val="155693751"/>
       </p:ext>
     </p:extLst>
@@ -6448,11 +6640,11 @@
   <p:clrMapOvr>
     <a:masterClrMapping/>
   </p:clrMapOvr>
-  <mc:AlternateContent xmlns:mc="http://schemas.openxmlformats.org/markup-compatibility/2006">
-    <mc:Choice xmlns:p14="http://schemas.microsoft.com/office/powerpoint/2010/main" Requires="p14">
+  <mc:AlternateContent xmlns:mc="http://schemas.openxmlformats.org/markup-compatibility/2006" xmlns:p14="http://schemas.microsoft.com/office/powerpoint/2010/main">
+    <mc:Choice Requires="p14">
       <p:transition spd="slow" p14:dur="2000" advTm="4814"/>
     </mc:Choice>
-    <mc:Fallback>
+    <mc:Fallback xmlns="">
       <p:transition spd="slow" advTm="4814"/>
     </mc:Fallback>
   </mc:AlternateContent>
